--- a/meroniwas2.pptx
+++ b/meroniwas2.pptx
@@ -1361,35 +1361,8 @@
                 <a:latin typeface="Arimo"/>
                 <a:ea typeface="Arimo"/>
               </a:rPr>
-              <a:t>Mero Niwas is an organization that deals with the rental services. It is most trusted, online real estate destination for finding, advertising, and managing </a:t>
-            </a:r>
-            <a:r>
-              <a:rPr lang="en-US" sz="2000" dirty="0" smtClean="0">
-                <a:solidFill>
-                  <a:schemeClr val="bg1"/>
-                </a:solidFill>
-                <a:latin typeface="Arimo"/>
-                <a:ea typeface="Arimo"/>
-              </a:rPr>
-              <a:t>Rental . It </a:t>
-            </a:r>
-            <a:r>
-              <a:rPr lang="en-US" sz="2000" dirty="0">
-                <a:solidFill>
-                  <a:schemeClr val="bg1"/>
-                </a:solidFill>
-                <a:latin typeface="Arimo"/>
-                <a:ea typeface="Arimo"/>
-              </a:rPr>
-              <a:t>enables users to explore and find their desired property easily. With thousands of available rental properties in Nepal</a:t>
-            </a:r>
-            <a:endParaRPr lang="en-US" sz="2000" dirty="0">
-              <a:solidFill>
-                <a:schemeClr val="bg1"/>
-              </a:solidFill>
-              <a:latin typeface="Arimo"/>
-              <a:ea typeface="Arimo"/>
-            </a:endParaRPr>
+              <a:t>Mero Niwas is an organization that deals with the rental services. It is most trusted, online real estate destination for finding, advertising, and managing Rental . It enables users to explore and find their desired property easily. With thousands of available rental properties in Nepal</a:t>
+            </a:r>
           </a:p>
         </p:txBody>
       </p:sp>
@@ -1457,28 +1430,28 @@
       </p:sp>
       <p:pic>
         <p:nvPicPr>
-          <p:cNvPr id="11" name="Picture 10"/>
+          <p:cNvPr id="10" name="Picture 9">
+            <a:extLst>
+              <a:ext uri="{FF2B5EF4-FFF2-40B4-BE49-F238E27FC236}">
+                <a16:creationId xmlns:a16="http://schemas.microsoft.com/office/drawing/2014/main" id="{589E35F6-A3BE-A3A7-FD57-73E0F9C68344}"/>
+              </a:ext>
+            </a:extLst>
+          </p:cNvPr>
           <p:cNvPicPr>
             <a:picLocks noChangeAspect="1"/>
           </p:cNvPicPr>
           <p:nvPr/>
         </p:nvPicPr>
         <p:blipFill>
-          <a:blip r:embed="rId3">
-            <a:extLst>
-              <a:ext uri="{28A0092B-C50C-407E-A947-70E740481C1C}">
-                <a14:useLocalDpi xmlns:a14="http://schemas.microsoft.com/office/drawing/2010/main" val="0"/>
-              </a:ext>
-            </a:extLst>
-          </a:blip>
+          <a:blip r:embed="rId3"/>
           <a:stretch>
             <a:fillRect/>
           </a:stretch>
         </p:blipFill>
         <p:spPr>
           <a:xfrm>
-            <a:off x="453589" y="1037774"/>
-            <a:ext cx="4650103" cy="4650103"/>
+            <a:off x="932266" y="1136929"/>
+            <a:ext cx="4786607" cy="4786607"/>
           </a:xfrm>
           <a:prstGeom prst="rect">
             <a:avLst/>
